--- a/RF-RNF.pptx
+++ b/RF-RNF.pptx
@@ -5,36 +5,39 @@
     <p:sldMasterId id="2147483648" r:id="rId1"/>
   </p:sldMasterIdLst>
   <p:notesMasterIdLst>
-    <p:notesMasterId r:id="rId7"/>
+    <p:notesMasterId r:id="rId8"/>
   </p:notesMasterIdLst>
   <p:sldIdLst>
     <p:sldId id="256" r:id="rId2"/>
     <p:sldId id="257" r:id="rId3"/>
     <p:sldId id="258" r:id="rId4"/>
-    <p:sldId id="259" r:id="rId5"/>
-    <p:sldId id="260" r:id="rId6"/>
+    <p:sldId id="261" r:id="rId5"/>
+    <p:sldId id="259" r:id="rId6"/>
+    <p:sldId id="260" r:id="rId7"/>
   </p:sldIdLst>
   <p:sldSz cx="12192000" cy="6858000"/>
   <p:notesSz cx="6858000" cy="9144000"/>
   <p:embeddedFontLst>
     <p:embeddedFont>
       <p:font typeface="Calibri" panose="020F0502020204030204" pitchFamily="34" charset="0"/>
-      <p:regular r:id="rId8"/>
-      <p:bold r:id="rId9"/>
-      <p:italic r:id="rId10"/>
-      <p:boldItalic r:id="rId11"/>
+      <p:regular r:id="rId9"/>
+      <p:bold r:id="rId10"/>
+      <p:italic r:id="rId11"/>
+      <p:boldItalic r:id="rId12"/>
     </p:embeddedFont>
     <p:embeddedFont>
       <p:font typeface="Work Sans" pitchFamily="2" charset="0"/>
-      <p:bold r:id="rId12"/>
-      <p:boldItalic r:id="rId13"/>
+      <p:regular r:id="rId13"/>
+      <p:bold r:id="rId14"/>
+      <p:italic r:id="rId15"/>
+      <p:boldItalic r:id="rId16"/>
     </p:embeddedFont>
     <p:embeddedFont>
       <p:font typeface="Work Sans Medium" pitchFamily="2" charset="0"/>
-      <p:regular r:id="rId14"/>
-      <p:bold r:id="rId15"/>
-      <p:italic r:id="rId16"/>
-      <p:boldItalic r:id="rId17"/>
+      <p:regular r:id="rId17"/>
+      <p:bold r:id="rId18"/>
+      <p:italic r:id="rId19"/>
+      <p:boldItalic r:id="rId20"/>
     </p:embeddedFont>
   </p:embeddedFontLst>
   <p:defaultTextStyle>
@@ -287,7 +290,7 @@
       </p15:sldGuideLst>
     </p:ext>
     <p:ext uri="GoogleSlidesCustomDataVersion2">
-      <go:slidesCustomData xmlns:go="http://customooxmlschemas.google.com/" xmlns:ahyp="http://schemas.microsoft.com/office/drawing/2018/hyperlinkcolor" xmlns:p15="http://schemas.microsoft.com/office/powerpoint/2012/main" xmlns:p14="http://schemas.microsoft.com/office/powerpoint/2010/main" xmlns:com="http://schemas.openxmlformats.org/drawingml/2006/compatibility" xmlns:pvml="urn:schemas-microsoft-com:office:powerpoint" xmlns:v="urn:schemas-microsoft-com:vml" xmlns:o="urn:schemas-microsoft-com:office:office" xmlns:dgm="http://schemas.openxmlformats.org/drawingml/2006/diagram" xmlns:c="http://schemas.openxmlformats.org/drawingml/2006/chart" xmlns:mv="urn:schemas-microsoft-com:mac:vml" xmlns:mc="http://schemas.openxmlformats.org/markup-compatibility/2006" xmlns="" r:id="rId18" roundtripDataSignature="AMtx7mj4UghhRUdI6fjnOcBj2qhuHqBvNQ=="/>
+      <go:slidesCustomData xmlns="" xmlns:mc="http://schemas.openxmlformats.org/markup-compatibility/2006" xmlns:mv="urn:schemas-microsoft-com:mac:vml" xmlns:c="http://schemas.openxmlformats.org/drawingml/2006/chart" xmlns:dgm="http://schemas.openxmlformats.org/drawingml/2006/diagram" xmlns:o="urn:schemas-microsoft-com:office:office" xmlns:v="urn:schemas-microsoft-com:vml" xmlns:pvml="urn:schemas-microsoft-com:office:powerpoint" xmlns:com="http://schemas.openxmlformats.org/drawingml/2006/compatibility" xmlns:p14="http://schemas.microsoft.com/office/powerpoint/2010/main" xmlns:p15="http://schemas.microsoft.com/office/powerpoint/2012/main" xmlns:ahyp="http://schemas.microsoft.com/office/drawing/2018/hyperlinkcolor" xmlns:go="http://customooxmlschemas.google.com/" r:id="rId21" roundtripDataSignature="AMtx7mj4UghhRUdI6fjnOcBj2qhuHqBvNQ=="/>
     </p:ext>
   </p:extLst>
 </p:presentation>
@@ -1803,6 +1806,115 @@
   <p:cSld>
     <p:spTree>
       <p:nvGrpSpPr>
+        <p:cNvPr id="1" name="Shape 103"/>
+        <p:cNvGrpSpPr/>
+        <p:nvPr/>
+      </p:nvGrpSpPr>
+      <p:grpSpPr>
+        <a:xfrm>
+          <a:off x="0" y="0"/>
+          <a:ext cx="0" cy="0"/>
+          <a:chOff x="0" y="0"/>
+          <a:chExt cx="0" cy="0"/>
+        </a:xfrm>
+      </p:grpSpPr>
+      <p:sp>
+        <p:nvSpPr>
+          <p:cNvPr id="104" name="Google Shape;104;p3:notes"/>
+          <p:cNvSpPr txBox="1">
+            <a:spLocks noGrp="1"/>
+          </p:cNvSpPr>
+          <p:nvPr>
+            <p:ph type="body" idx="1"/>
+          </p:nvPr>
+        </p:nvSpPr>
+        <p:spPr>
+          <a:xfrm>
+            <a:off x="685800" y="4400550"/>
+            <a:ext cx="5486400" cy="3600450"/>
+          </a:xfrm>
+          <a:prstGeom prst="rect">
+            <a:avLst/>
+          </a:prstGeom>
+        </p:spPr>
+        <p:txBody>
+          <a:bodyPr spcFirstLastPara="1" wrap="square" lIns="91425" tIns="45700" rIns="91425" bIns="45700" anchor="t" anchorCtr="0">
+            <a:noAutofit/>
+          </a:bodyPr>
+          <a:lstStyle/>
+          <a:p>
+            <a:pPr marL="0" lvl="0" indent="0" algn="l" rtl="0">
+              <a:spcBef>
+                <a:spcPts val="0"/>
+              </a:spcBef>
+              <a:spcAft>
+                <a:spcPts val="0"/>
+              </a:spcAft>
+              <a:buNone/>
+            </a:pPr>
+            <a:endParaRPr/>
+          </a:p>
+        </p:txBody>
+      </p:sp>
+      <p:sp>
+        <p:nvSpPr>
+          <p:cNvPr id="105" name="Google Shape;105;p3:notes"/>
+          <p:cNvSpPr>
+            <a:spLocks noGrp="1" noRot="1" noChangeAspect="1"/>
+          </p:cNvSpPr>
+          <p:nvPr>
+            <p:ph type="sldImg" idx="2"/>
+          </p:nvPr>
+        </p:nvSpPr>
+        <p:spPr>
+          <a:xfrm>
+            <a:off x="685800" y="1143000"/>
+            <a:ext cx="5486400" cy="3086100"/>
+          </a:xfrm>
+          <a:custGeom>
+            <a:avLst/>
+            <a:gdLst/>
+            <a:ahLst/>
+            <a:cxnLst/>
+            <a:rect l="l" t="t" r="r" b="b"/>
+            <a:pathLst>
+              <a:path w="120000" h="120000" extrusionOk="0">
+                <a:moveTo>
+                  <a:pt x="0" y="0"/>
+                </a:moveTo>
+                <a:lnTo>
+                  <a:pt x="120000" y="0"/>
+                </a:lnTo>
+                <a:lnTo>
+                  <a:pt x="120000" y="120000"/>
+                </a:lnTo>
+                <a:lnTo>
+                  <a:pt x="0" y="120000"/>
+                </a:lnTo>
+                <a:close/>
+              </a:path>
+            </a:pathLst>
+          </a:custGeom>
+        </p:spPr>
+      </p:sp>
+    </p:spTree>
+    <p:extLst>
+      <p:ext uri="{BB962C8B-B14F-4D97-AF65-F5344CB8AC3E}">
+        <p14:creationId xmlns:p14="http://schemas.microsoft.com/office/powerpoint/2010/main" val="1387540604"/>
+      </p:ext>
+    </p:extLst>
+  </p:cSld>
+  <p:clrMapOvr>
+    <a:masterClrMapping/>
+  </p:clrMapOvr>
+</p:notes>
+</file>
+
+<file path=ppt/notesSlides/notesSlide5.xml><?xml version="1.0" encoding="utf-8"?>
+<p:notes xmlns:a="http://schemas.openxmlformats.org/drawingml/2006/main" xmlns:r="http://schemas.openxmlformats.org/officeDocument/2006/relationships" xmlns:p="http://schemas.openxmlformats.org/presentationml/2006/main" showMasterSp="0" showMasterPhAnim="0">
+  <p:cSld>
+    <p:spTree>
+      <p:nvGrpSpPr>
         <p:cNvPr id="1" name="Shape 108"/>
         <p:cNvGrpSpPr/>
         <p:nvPr/>
@@ -1902,7 +2014,7 @@
 </p:notes>
 </file>
 
-<file path=ppt/notesSlides/notesSlide5.xml><?xml version="1.0" encoding="utf-8"?>
+<file path=ppt/notesSlides/notesSlide6.xml><?xml version="1.0" encoding="utf-8"?>
 <p:notes xmlns:a="http://schemas.openxmlformats.org/drawingml/2006/main" xmlns:r="http://schemas.openxmlformats.org/officeDocument/2006/relationships" xmlns:p="http://schemas.openxmlformats.org/presentationml/2006/main" showMasterSp="0" showMasterPhAnim="0">
   <p:cSld>
     <p:spTree>
@@ -13094,7 +13206,13 @@
         <p:nvGraphicFramePr>
           <p:cNvPr id="102" name="Google Shape;102;p2"/>
           <p:cNvGraphicFramePr/>
-          <p:nvPr/>
+          <p:nvPr>
+            <p:extLst>
+              <p:ext uri="{D42A27DB-BD31-4B8C-83A1-F6EECF244321}">
+                <p14:modId xmlns:p14="http://schemas.microsoft.com/office/powerpoint/2010/main" val="3017375231"/>
+              </p:ext>
+            </p:extLst>
+          </p:nvPr>
         </p:nvGraphicFramePr>
         <p:xfrm>
           <a:off x="770098" y="1361112"/>
@@ -13514,10 +13632,10 @@
                         <a:buNone/>
                       </a:pPr>
                       <a:r>
-                        <a:rPr lang="es-ES" sz="1800"/>
+                        <a:rPr lang="es-ES" sz="1800" dirty="0"/>
                         <a:t>RF4</a:t>
                       </a:r>
-                      <a:endParaRPr sz="1800"/>
+                      <a:endParaRPr sz="1800" dirty="0"/>
                     </a:p>
                   </a:txBody>
                   <a:tcPr marL="91450" marR="91450" marT="45725" marB="45725"/>
@@ -13538,7 +13656,7 @@
                       </a:pPr>
                       <a:r>
                         <a:rPr lang="es-ES" sz="1600" dirty="0"/>
-                        <a:t>El sistema permitirá al Administrador generar estadísticas de las ventas</a:t>
+                        <a:t>El sistema permitirá al Administrador gestionar el inventario </a:t>
                       </a:r>
                       <a:endParaRPr sz="1600" dirty="0"/>
                     </a:p>
@@ -13851,7 +13969,7 @@
           <p:nvPr>
             <p:extLst>
               <p:ext uri="{D42A27DB-BD31-4B8C-83A1-F6EECF244321}">
-                <p14:modId xmlns:p14="http://schemas.microsoft.com/office/powerpoint/2010/main" val="316533005"/>
+                <p14:modId xmlns:p14="http://schemas.microsoft.com/office/powerpoint/2010/main" val="2410748910"/>
               </p:ext>
             </p:extLst>
           </p:nvPr>
@@ -14117,14 +14235,14 @@
                         <a:buNone/>
                       </a:pPr>
                       <a:r>
-                        <a:rPr lang="es-ES" sz="1600" b="0">
+                        <a:rPr lang="es-ES" sz="1600" b="0" dirty="0">
                           <a:solidFill>
                             <a:schemeClr val="dk1"/>
                           </a:solidFill>
                         </a:rPr>
                         <a:t>El sistema permitirá al Administrador eliminar y agregar a los barberos </a:t>
                       </a:r>
-                      <a:endParaRPr sz="1600" b="0">
+                      <a:endParaRPr sz="1600" b="0" dirty="0">
                         <a:solidFill>
                           <a:schemeClr val="dk1"/>
                         </a:solidFill>
@@ -14186,10 +14304,10 @@
                         <a:buNone/>
                       </a:pPr>
                       <a:r>
-                        <a:rPr lang="es-ES" sz="1800"/>
+                        <a:rPr lang="es-ES" sz="1800" dirty="0"/>
                         <a:t>RF11</a:t>
                       </a:r>
-                      <a:endParaRPr sz="1800"/>
+                      <a:endParaRPr sz="1800" dirty="0"/>
                     </a:p>
                   </a:txBody>
                   <a:tcPr marL="91450" marR="91450" marT="45725" marB="45725"/>
@@ -14209,14 +14327,14 @@
                         <a:buNone/>
                       </a:pPr>
                       <a:r>
-                        <a:rPr lang="es-ES" sz="1600" b="0">
+                        <a:rPr lang="es-ES" sz="1600" b="0" dirty="0">
                           <a:solidFill>
                             <a:schemeClr val="dk1"/>
                           </a:solidFill>
                         </a:rPr>
                         <a:t>Los clientes podrán calificar el servicio de la Barberia </a:t>
                       </a:r>
-                      <a:endParaRPr sz="1600" b="0">
+                      <a:endParaRPr sz="1600" b="0" dirty="0">
                         <a:solidFill>
                           <a:schemeClr val="dk1"/>
                         </a:solidFill>
@@ -14393,14 +14511,14 @@
                         <a:buNone/>
                       </a:pPr>
                       <a:r>
-                        <a:rPr lang="es-ES" sz="1600" b="0">
+                        <a:rPr lang="es-ES" sz="1600" b="0" dirty="0">
                           <a:solidFill>
                             <a:schemeClr val="dk1"/>
                           </a:solidFill>
                         </a:rPr>
-                        <a:t>El sistema permitirá al cliente consultar sin estar registrado  los servicios que se prestan, los barberos y los productos que se encuentran en venta </a:t>
+                        <a:t>El sistema permitirá al cliente consultar sin estar registrado mostrara  los servicios que se prestan, los barberos y los productos que se encuentran en venta </a:t>
                       </a:r>
-                      <a:endParaRPr/>
+                      <a:endParaRPr dirty="0"/>
                     </a:p>
                     <a:p>
                       <a:pPr marL="0" marR="0" lvl="0" indent="0" algn="l" rtl="0">
@@ -14412,7 +14530,7 @@
                         </a:spcAft>
                         <a:buNone/>
                       </a:pPr>
-                      <a:endParaRPr sz="1600" b="0">
+                      <a:endParaRPr sz="1600" b="0" dirty="0">
                         <a:solidFill>
                           <a:schemeClr val="dk1"/>
                         </a:solidFill>
@@ -14497,14 +14615,14 @@
                         <a:buNone/>
                       </a:pPr>
                       <a:r>
-                        <a:rPr lang="es-ES" sz="1600" b="0">
+                        <a:rPr lang="es-ES" sz="1600" b="0" dirty="0">
                           <a:solidFill>
                             <a:schemeClr val="dk1"/>
                           </a:solidFill>
                         </a:rPr>
-                        <a:t>El sistema permitirá saber al clientes que tiene un turno reservado </a:t>
+                        <a:t>El sistema permitirá saber al cliente que tiene un turno reservado </a:t>
                       </a:r>
-                      <a:endParaRPr sz="1600" b="0">
+                      <a:endParaRPr sz="1600" b="0" dirty="0">
                         <a:solidFill>
                           <a:schemeClr val="dk1"/>
                         </a:solidFill>
@@ -14940,6 +15058,225 @@
     </p:bg>
     <p:spTree>
       <p:nvGrpSpPr>
+        <p:cNvPr id="1" name="Shape 106"/>
+        <p:cNvGrpSpPr/>
+        <p:nvPr/>
+      </p:nvGrpSpPr>
+      <p:grpSpPr>
+        <a:xfrm>
+          <a:off x="0" y="0"/>
+          <a:ext cx="0" cy="0"/>
+          <a:chOff x="0" y="0"/>
+          <a:chExt cx="0" cy="0"/>
+        </a:xfrm>
+      </p:grpSpPr>
+      <p:graphicFrame>
+        <p:nvGraphicFramePr>
+          <p:cNvPr id="2" name="Tabla 1">
+            <a:extLst>
+              <a:ext uri="{FF2B5EF4-FFF2-40B4-BE49-F238E27FC236}">
+                <a16:creationId xmlns:a16="http://schemas.microsoft.com/office/drawing/2014/main" id="{6CCC274B-1AC9-53CC-418E-1B3F0C0E08A6}"/>
+              </a:ext>
+            </a:extLst>
+          </p:cNvPr>
+          <p:cNvGraphicFramePr>
+            <a:graphicFrameLocks noGrp="1"/>
+          </p:cNvGraphicFramePr>
+          <p:nvPr>
+            <p:extLst>
+              <p:ext uri="{D42A27DB-BD31-4B8C-83A1-F6EECF244321}">
+                <p14:modId xmlns:p14="http://schemas.microsoft.com/office/powerpoint/2010/main" val="758356458"/>
+              </p:ext>
+            </p:extLst>
+          </p:nvPr>
+        </p:nvGraphicFramePr>
+        <p:xfrm>
+          <a:off x="871344" y="1174253"/>
+          <a:ext cx="9997500" cy="744525"/>
+        </p:xfrm>
+        <a:graphic>
+          <a:graphicData uri="http://schemas.openxmlformats.org/drawingml/2006/table">
+            <a:tbl>
+              <a:tblPr firstRow="1" bandRow="1">
+                <a:noFill/>
+                <a:tableStyleId>{EB8F55C2-C6A8-4F32-9173-006296CE9A14}</a:tableStyleId>
+              </a:tblPr>
+              <a:tblGrid>
+                <a:gridCol w="1937800">
+                  <a:extLst>
+                    <a:ext uri="{9D8B030D-6E8A-4147-A177-3AD203B41FA5}">
+                      <a16:colId xmlns:a16="http://schemas.microsoft.com/office/drawing/2014/main" val="3058243064"/>
+                    </a:ext>
+                  </a:extLst>
+                </a:gridCol>
+                <a:gridCol w="5256325">
+                  <a:extLst>
+                    <a:ext uri="{9D8B030D-6E8A-4147-A177-3AD203B41FA5}">
+                      <a16:colId xmlns:a16="http://schemas.microsoft.com/office/drawing/2014/main" val="3216781812"/>
+                    </a:ext>
+                  </a:extLst>
+                </a:gridCol>
+                <a:gridCol w="2803375">
+                  <a:extLst>
+                    <a:ext uri="{9D8B030D-6E8A-4147-A177-3AD203B41FA5}">
+                      <a16:colId xmlns:a16="http://schemas.microsoft.com/office/drawing/2014/main" val="725256212"/>
+                    </a:ext>
+                  </a:extLst>
+                </a:gridCol>
+              </a:tblGrid>
+              <a:tr h="744525">
+                <a:tc>
+                  <a:txBody>
+                    <a:bodyPr/>
+                    <a:lstStyle/>
+                    <a:p>
+                      <a:pPr marL="0" marR="0" lvl="0" indent="0" algn="l" rtl="0">
+                        <a:spcBef>
+                          <a:spcPts val="0"/>
+                        </a:spcBef>
+                        <a:spcAft>
+                          <a:spcPts val="0"/>
+                        </a:spcAft>
+                        <a:buNone/>
+                      </a:pPr>
+                      <a:r>
+                        <a:rPr lang="es-ES" sz="1800" b="0" dirty="0">
+                          <a:solidFill>
+                            <a:schemeClr val="tx1"/>
+                          </a:solidFill>
+                        </a:rPr>
+                        <a:t>RF18</a:t>
+                      </a:r>
+                      <a:endParaRPr sz="1800" b="0" dirty="0">
+                        <a:solidFill>
+                          <a:schemeClr val="tx1"/>
+                        </a:solidFill>
+                      </a:endParaRPr>
+                    </a:p>
+                  </a:txBody>
+                  <a:tcPr marL="91450" marR="91450" marT="45725" marB="45725">
+                    <a:solidFill>
+                      <a:schemeClr val="tx2">
+                        <a:lumMod val="90000"/>
+                      </a:schemeClr>
+                    </a:solidFill>
+                  </a:tcPr>
+                </a:tc>
+                <a:tc>
+                  <a:txBody>
+                    <a:bodyPr/>
+                    <a:lstStyle/>
+                    <a:p>
+                      <a:pPr marL="0" marR="0" lvl="0" indent="0" algn="l" rtl="0">
+                        <a:spcBef>
+                          <a:spcPts val="0"/>
+                        </a:spcBef>
+                        <a:spcAft>
+                          <a:spcPts val="0"/>
+                        </a:spcAft>
+                        <a:buNone/>
+                      </a:pPr>
+                      <a:r>
+                        <a:rPr lang="es-ES" sz="1600" b="0" dirty="0">
+                          <a:solidFill>
+                            <a:schemeClr val="dk1"/>
+                          </a:solidFill>
+                        </a:rPr>
+                        <a:t>El sistema permitirá a los clientes agregar productos al carrito de compras</a:t>
+                      </a:r>
+                      <a:endParaRPr sz="1600" b="0" dirty="0">
+                        <a:solidFill>
+                          <a:schemeClr val="dk1"/>
+                        </a:solidFill>
+                      </a:endParaRPr>
+                    </a:p>
+                  </a:txBody>
+                  <a:tcPr marL="91450" marR="91450" marT="45725" marB="45725">
+                    <a:solidFill>
+                      <a:schemeClr val="tx2">
+                        <a:lumMod val="90000"/>
+                      </a:schemeClr>
+                    </a:solidFill>
+                  </a:tcPr>
+                </a:tc>
+                <a:tc>
+                  <a:txBody>
+                    <a:bodyPr/>
+                    <a:lstStyle/>
+                    <a:p>
+                      <a:pPr marL="0" marR="0" lvl="0" indent="0" algn="ctr" rtl="0">
+                        <a:spcBef>
+                          <a:spcPts val="0"/>
+                        </a:spcBef>
+                        <a:spcAft>
+                          <a:spcPts val="0"/>
+                        </a:spcAft>
+                        <a:buNone/>
+                      </a:pPr>
+                      <a:r>
+                        <a:rPr lang="es-ES" sz="1800" b="0" dirty="0">
+                          <a:solidFill>
+                            <a:schemeClr val="dk1"/>
+                          </a:solidFill>
+                        </a:rPr>
+                        <a:t>Alta</a:t>
+                      </a:r>
+                      <a:endParaRPr sz="1800" b="0" dirty="0">
+                        <a:solidFill>
+                          <a:schemeClr val="dk1"/>
+                        </a:solidFill>
+                      </a:endParaRPr>
+                    </a:p>
+                  </a:txBody>
+                  <a:tcPr marL="91450" marR="91450" marT="45725" marB="45725">
+                    <a:solidFill>
+                      <a:schemeClr val="tx2">
+                        <a:lumMod val="90000"/>
+                      </a:schemeClr>
+                    </a:solidFill>
+                  </a:tcPr>
+                </a:tc>
+                <a:extLst>
+                  <a:ext uri="{0D108BD9-81ED-4DB2-BD59-A6C34878D82A}">
+                    <a16:rowId xmlns:a16="http://schemas.microsoft.com/office/drawing/2014/main" val="3867579011"/>
+                  </a:ext>
+                </a:extLst>
+              </a:tr>
+            </a:tbl>
+          </a:graphicData>
+        </a:graphic>
+      </p:graphicFrame>
+    </p:spTree>
+    <p:extLst>
+      <p:ext uri="{BB962C8B-B14F-4D97-AF65-F5344CB8AC3E}">
+        <p14:creationId xmlns:p14="http://schemas.microsoft.com/office/powerpoint/2010/main" val="3747032665"/>
+      </p:ext>
+    </p:extLst>
+  </p:cSld>
+  <p:clrMapOvr>
+    <a:masterClrMapping/>
+  </p:clrMapOvr>
+</p:sld>
+</file>
+
+<file path=ppt/slides/slide5.xml><?xml version="1.0" encoding="utf-8"?>
+<p:sld xmlns:a="http://schemas.openxmlformats.org/drawingml/2006/main" xmlns:r="http://schemas.openxmlformats.org/officeDocument/2006/relationships" xmlns:p="http://schemas.openxmlformats.org/presentationml/2006/main">
+  <p:cSld>
+    <p:bg>
+      <p:bgPr>
+        <a:blipFill>
+          <a:blip r:embed="rId3">
+            <a:alphaModFix/>
+          </a:blip>
+          <a:stretch>
+            <a:fillRect/>
+          </a:stretch>
+        </a:blipFill>
+        <a:effectLst/>
+      </p:bgPr>
+    </p:bg>
+    <p:spTree>
+      <p:nvGrpSpPr>
         <p:cNvPr id="1" name="Shape 111"/>
         <p:cNvGrpSpPr/>
         <p:nvPr/>
@@ -15101,7 +15438,7 @@
 </p:sld>
 </file>
 
-<file path=ppt/slides/slide5.xml><?xml version="1.0" encoding="utf-8"?>
+<file path=ppt/slides/slide6.xml><?xml version="1.0" encoding="utf-8"?>
 <p:sld xmlns:a="http://schemas.openxmlformats.org/drawingml/2006/main" xmlns:r="http://schemas.openxmlformats.org/officeDocument/2006/relationships" xmlns:p="http://schemas.openxmlformats.org/presentationml/2006/main">
   <p:cSld>
     <p:bg>
